--- a/卒業論文/2016/小山隆太郎/中間発表/中間ポスター.pptx
+++ b/卒業論文/2016/小山隆太郎/中間発表/中間ポスター.pptx
@@ -2295,7 +2295,7 @@
           <a:p>
             <a:fld id="{1355B614-8C80-42CD-A0C7-A8AC0A708725}" type="datetimeFigureOut">
               <a:rPr kumimoji="1" lang="ja-JP" altLang="en-US" smtClean="0"/>
-              <a:t>2017/10/4</a:t>
+              <a:t>2017/10/6</a:t>
             </a:fld>
             <a:endParaRPr kumimoji="1" lang="ja-JP" altLang="en-US"/>
           </a:p>
@@ -2807,7 +2807,7 @@
           <a:p>
             <a:fld id="{CD18CB5A-6947-405F-A94A-52FF85729738}" type="datetimeFigureOut">
               <a:rPr kumimoji="1" lang="ja-JP" altLang="en-US" smtClean="0"/>
-              <a:t>2017/10/4</a:t>
+              <a:t>2017/10/6</a:t>
             </a:fld>
             <a:endParaRPr kumimoji="1" lang="ja-JP" altLang="en-US"/>
           </a:p>
@@ -3007,7 +3007,7 @@
           <a:p>
             <a:fld id="{CD18CB5A-6947-405F-A94A-52FF85729738}" type="datetimeFigureOut">
               <a:rPr kumimoji="1" lang="ja-JP" altLang="en-US" smtClean="0"/>
-              <a:t>2017/10/4</a:t>
+              <a:t>2017/10/6</a:t>
             </a:fld>
             <a:endParaRPr kumimoji="1" lang="ja-JP" altLang="en-US"/>
           </a:p>
@@ -3217,7 +3217,7 @@
           <a:p>
             <a:fld id="{CD18CB5A-6947-405F-A94A-52FF85729738}" type="datetimeFigureOut">
               <a:rPr kumimoji="1" lang="ja-JP" altLang="en-US" smtClean="0"/>
-              <a:t>2017/10/4</a:t>
+              <a:t>2017/10/6</a:t>
             </a:fld>
             <a:endParaRPr kumimoji="1" lang="ja-JP" altLang="en-US"/>
           </a:p>
@@ -3417,7 +3417,7 @@
           <a:p>
             <a:fld id="{CD18CB5A-6947-405F-A94A-52FF85729738}" type="datetimeFigureOut">
               <a:rPr kumimoji="1" lang="ja-JP" altLang="en-US" smtClean="0"/>
-              <a:t>2017/10/4</a:t>
+              <a:t>2017/10/6</a:t>
             </a:fld>
             <a:endParaRPr kumimoji="1" lang="ja-JP" altLang="en-US"/>
           </a:p>
@@ -3662,7 +3662,7 @@
           <a:p>
             <a:fld id="{CD18CB5A-6947-405F-A94A-52FF85729738}" type="datetimeFigureOut">
               <a:rPr kumimoji="1" lang="ja-JP" altLang="en-US" smtClean="0"/>
-              <a:t>2017/10/4</a:t>
+              <a:t>2017/10/6</a:t>
             </a:fld>
             <a:endParaRPr kumimoji="1" lang="ja-JP" altLang="en-US"/>
           </a:p>
@@ -3955,7 +3955,7 @@
           <a:p>
             <a:fld id="{CD18CB5A-6947-405F-A94A-52FF85729738}" type="datetimeFigureOut">
               <a:rPr kumimoji="1" lang="ja-JP" altLang="en-US" smtClean="0"/>
-              <a:t>2017/10/4</a:t>
+              <a:t>2017/10/6</a:t>
             </a:fld>
             <a:endParaRPr kumimoji="1" lang="ja-JP" altLang="en-US"/>
           </a:p>
@@ -4383,7 +4383,7 @@
           <a:p>
             <a:fld id="{CD18CB5A-6947-405F-A94A-52FF85729738}" type="datetimeFigureOut">
               <a:rPr kumimoji="1" lang="ja-JP" altLang="en-US" smtClean="0"/>
-              <a:t>2017/10/4</a:t>
+              <a:t>2017/10/6</a:t>
             </a:fld>
             <a:endParaRPr kumimoji="1" lang="ja-JP" altLang="en-US"/>
           </a:p>
@@ -4500,7 +4500,7 @@
           <a:p>
             <a:fld id="{CD18CB5A-6947-405F-A94A-52FF85729738}" type="datetimeFigureOut">
               <a:rPr kumimoji="1" lang="ja-JP" altLang="en-US" smtClean="0"/>
-              <a:t>2017/10/4</a:t>
+              <a:t>2017/10/6</a:t>
             </a:fld>
             <a:endParaRPr kumimoji="1" lang="ja-JP" altLang="en-US"/>
           </a:p>
@@ -4595,7 +4595,7 @@
           <a:p>
             <a:fld id="{CD18CB5A-6947-405F-A94A-52FF85729738}" type="datetimeFigureOut">
               <a:rPr kumimoji="1" lang="ja-JP" altLang="en-US" smtClean="0"/>
-              <a:t>2017/10/4</a:t>
+              <a:t>2017/10/6</a:t>
             </a:fld>
             <a:endParaRPr kumimoji="1" lang="ja-JP" altLang="en-US"/>
           </a:p>
@@ -4902,7 +4902,7 @@
           <a:p>
             <a:fld id="{CD18CB5A-6947-405F-A94A-52FF85729738}" type="datetimeFigureOut">
               <a:rPr kumimoji="1" lang="ja-JP" altLang="en-US" smtClean="0"/>
-              <a:t>2017/10/4</a:t>
+              <a:t>2017/10/6</a:t>
             </a:fld>
             <a:endParaRPr kumimoji="1" lang="ja-JP" altLang="en-US"/>
           </a:p>
@@ -5154,7 +5154,7 @@
           <a:p>
             <a:fld id="{CD18CB5A-6947-405F-A94A-52FF85729738}" type="datetimeFigureOut">
               <a:rPr kumimoji="1" lang="ja-JP" altLang="en-US" smtClean="0"/>
-              <a:t>2017/10/4</a:t>
+              <a:t>2017/10/6</a:t>
             </a:fld>
             <a:endParaRPr kumimoji="1" lang="ja-JP" altLang="en-US"/>
           </a:p>
@@ -5397,7 +5397,7 @@
           <a:p>
             <a:fld id="{CD18CB5A-6947-405F-A94A-52FF85729738}" type="datetimeFigureOut">
               <a:rPr kumimoji="1" lang="ja-JP" altLang="en-US" smtClean="0"/>
-              <a:t>2017/10/4</a:t>
+              <a:t>2017/10/6</a:t>
             </a:fld>
             <a:endParaRPr kumimoji="1" lang="ja-JP" altLang="en-US"/>
           </a:p>
@@ -8153,8 +8153,8 @@
         </p:nvSpPr>
         <p:spPr>
           <a:xfrm>
-            <a:off x="11586873" y="27274036"/>
-            <a:ext cx="9777035" cy="2123658"/>
+            <a:off x="10637318" y="27274036"/>
+            <a:ext cx="10806650" cy="2123658"/>
           </a:xfrm>
           <a:prstGeom prst="rect">
             <a:avLst/>
@@ -8162,7 +8162,7 @@
           <a:noFill/>
         </p:spPr>
         <p:txBody>
-          <a:bodyPr wrap="none" rtlCol="0">
+          <a:bodyPr wrap="square" rtlCol="0">
             <a:spAutoFit/>
           </a:bodyPr>
           <a:lstStyle/>
@@ -8172,7 +8172,7 @@
                 <a:latin typeface="メイリオ" panose="020B0604030504040204" pitchFamily="50" charset="-128"/>
                 <a:ea typeface="メイリオ" panose="020B0604030504040204" pitchFamily="50" charset="-128"/>
               </a:rPr>
-              <a:t>　添削機能がまだ不十分なため，添削</a:t>
+              <a:t>添削機能がまだ不十分なため，添削に</a:t>
             </a:r>
             <a:endParaRPr lang="en-US" altLang="ja-JP" sz="4400" dirty="0">
               <a:latin typeface="メイリオ" panose="020B0604030504040204" pitchFamily="50" charset="-128"/>
@@ -8185,7 +8185,7 @@
                 <a:latin typeface="メイリオ" panose="020B0604030504040204" pitchFamily="50" charset="-128"/>
                 <a:ea typeface="メイリオ" panose="020B0604030504040204" pitchFamily="50" charset="-128"/>
               </a:rPr>
-              <a:t>に必要な要素を考察し，機能の追加を</a:t>
+              <a:t>必要な要素を考察し，機能の追加を行</a:t>
             </a:r>
             <a:endParaRPr lang="en-US" altLang="ja-JP" sz="4400" dirty="0">
               <a:latin typeface="メイリオ" panose="020B0604030504040204" pitchFamily="50" charset="-128"/>
@@ -8198,7 +8198,7 @@
                 <a:latin typeface="メイリオ" panose="020B0604030504040204" pitchFamily="50" charset="-128"/>
                 <a:ea typeface="メイリオ" panose="020B0604030504040204" pitchFamily="50" charset="-128"/>
               </a:rPr>
-              <a:t>行う．</a:t>
+              <a:t>う．</a:t>
             </a:r>
             <a:endParaRPr lang="en-US" altLang="ja-JP" sz="4400" dirty="0">
               <a:latin typeface="メイリオ" panose="020B0604030504040204" pitchFamily="50" charset="-128"/>

--- a/卒業論文/2016/小山隆太郎/中間発表/中間ポスター.pptx
+++ b/卒業論文/2016/小山隆太郎/中間発表/中間ポスター.pptx
@@ -6204,7 +6204,7 @@
                 <a:latin typeface="メイリオ" panose="020B0604030504040204" pitchFamily="50" charset="-128"/>
                 <a:ea typeface="メイリオ" panose="020B0604030504040204" pitchFamily="50" charset="-128"/>
               </a:rPr>
-              <a:t>作成時間の短縮化が期待できる</a:t>
+              <a:t>作成時間の短縮化が期待できる．</a:t>
             </a:r>
           </a:p>
         </p:txBody>
@@ -8094,7 +8094,7 @@
                 <a:latin typeface="メイリオ" panose="020B0604030504040204" pitchFamily="50" charset="-128"/>
                 <a:ea typeface="メイリオ" panose="020B0604030504040204" pitchFamily="50" charset="-128"/>
               </a:rPr>
-              <a:t>数値と専門用語の表記を統一．</a:t>
+              <a:t>数値と専門用語の表記を統一</a:t>
             </a:r>
             <a:br>
               <a:rPr lang="en-US" altLang="ja-JP" sz="4400" dirty="0">
@@ -8120,7 +8120,7 @@
                 <a:latin typeface="メイリオ" panose="020B0604030504040204" pitchFamily="50" charset="-128"/>
                 <a:ea typeface="メイリオ" panose="020B0604030504040204" pitchFamily="50" charset="-128"/>
               </a:rPr>
-              <a:t>抑えた．</a:t>
+              <a:t>抑えた</a:t>
             </a:r>
             <a:endParaRPr lang="en-US" altLang="ja-JP" sz="4400" dirty="0">
               <a:latin typeface="メイリオ" panose="020B0604030504040204" pitchFamily="50" charset="-128"/>

--- a/卒業論文/2016/小山隆太郎/中間発表/中間ポスター.pptx
+++ b/卒業論文/2016/小山隆太郎/中間発表/中間ポスター.pptx
@@ -2295,7 +2295,7 @@
           <a:p>
             <a:fld id="{1355B614-8C80-42CD-A0C7-A8AC0A708725}" type="datetimeFigureOut">
               <a:rPr kumimoji="1" lang="ja-JP" altLang="en-US" smtClean="0"/>
-              <a:t>2017/10/6</a:t>
+              <a:t>2017/10/9</a:t>
             </a:fld>
             <a:endParaRPr kumimoji="1" lang="ja-JP" altLang="en-US"/>
           </a:p>
@@ -2807,7 +2807,7 @@
           <a:p>
             <a:fld id="{CD18CB5A-6947-405F-A94A-52FF85729738}" type="datetimeFigureOut">
               <a:rPr kumimoji="1" lang="ja-JP" altLang="en-US" smtClean="0"/>
-              <a:t>2017/10/6</a:t>
+              <a:t>2017/10/9</a:t>
             </a:fld>
             <a:endParaRPr kumimoji="1" lang="ja-JP" altLang="en-US"/>
           </a:p>
@@ -3007,7 +3007,7 @@
           <a:p>
             <a:fld id="{CD18CB5A-6947-405F-A94A-52FF85729738}" type="datetimeFigureOut">
               <a:rPr kumimoji="1" lang="ja-JP" altLang="en-US" smtClean="0"/>
-              <a:t>2017/10/6</a:t>
+              <a:t>2017/10/9</a:t>
             </a:fld>
             <a:endParaRPr kumimoji="1" lang="ja-JP" altLang="en-US"/>
           </a:p>
@@ -3217,7 +3217,7 @@
           <a:p>
             <a:fld id="{CD18CB5A-6947-405F-A94A-52FF85729738}" type="datetimeFigureOut">
               <a:rPr kumimoji="1" lang="ja-JP" altLang="en-US" smtClean="0"/>
-              <a:t>2017/10/6</a:t>
+              <a:t>2017/10/9</a:t>
             </a:fld>
             <a:endParaRPr kumimoji="1" lang="ja-JP" altLang="en-US"/>
           </a:p>
@@ -3417,7 +3417,7 @@
           <a:p>
             <a:fld id="{CD18CB5A-6947-405F-A94A-52FF85729738}" type="datetimeFigureOut">
               <a:rPr kumimoji="1" lang="ja-JP" altLang="en-US" smtClean="0"/>
-              <a:t>2017/10/6</a:t>
+              <a:t>2017/10/9</a:t>
             </a:fld>
             <a:endParaRPr kumimoji="1" lang="ja-JP" altLang="en-US"/>
           </a:p>
@@ -3662,7 +3662,7 @@
           <a:p>
             <a:fld id="{CD18CB5A-6947-405F-A94A-52FF85729738}" type="datetimeFigureOut">
               <a:rPr kumimoji="1" lang="ja-JP" altLang="en-US" smtClean="0"/>
-              <a:t>2017/10/6</a:t>
+              <a:t>2017/10/9</a:t>
             </a:fld>
             <a:endParaRPr kumimoji="1" lang="ja-JP" altLang="en-US"/>
           </a:p>
@@ -3955,7 +3955,7 @@
           <a:p>
             <a:fld id="{CD18CB5A-6947-405F-A94A-52FF85729738}" type="datetimeFigureOut">
               <a:rPr kumimoji="1" lang="ja-JP" altLang="en-US" smtClean="0"/>
-              <a:t>2017/10/6</a:t>
+              <a:t>2017/10/9</a:t>
             </a:fld>
             <a:endParaRPr kumimoji="1" lang="ja-JP" altLang="en-US"/>
           </a:p>
@@ -4383,7 +4383,7 @@
           <a:p>
             <a:fld id="{CD18CB5A-6947-405F-A94A-52FF85729738}" type="datetimeFigureOut">
               <a:rPr kumimoji="1" lang="ja-JP" altLang="en-US" smtClean="0"/>
-              <a:t>2017/10/6</a:t>
+              <a:t>2017/10/9</a:t>
             </a:fld>
             <a:endParaRPr kumimoji="1" lang="ja-JP" altLang="en-US"/>
           </a:p>
@@ -4500,7 +4500,7 @@
           <a:p>
             <a:fld id="{CD18CB5A-6947-405F-A94A-52FF85729738}" type="datetimeFigureOut">
               <a:rPr kumimoji="1" lang="ja-JP" altLang="en-US" smtClean="0"/>
-              <a:t>2017/10/6</a:t>
+              <a:t>2017/10/9</a:t>
             </a:fld>
             <a:endParaRPr kumimoji="1" lang="ja-JP" altLang="en-US"/>
           </a:p>
@@ -4595,7 +4595,7 @@
           <a:p>
             <a:fld id="{CD18CB5A-6947-405F-A94A-52FF85729738}" type="datetimeFigureOut">
               <a:rPr kumimoji="1" lang="ja-JP" altLang="en-US" smtClean="0"/>
-              <a:t>2017/10/6</a:t>
+              <a:t>2017/10/9</a:t>
             </a:fld>
             <a:endParaRPr kumimoji="1" lang="ja-JP" altLang="en-US"/>
           </a:p>
@@ -4902,7 +4902,7 @@
           <a:p>
             <a:fld id="{CD18CB5A-6947-405F-A94A-52FF85729738}" type="datetimeFigureOut">
               <a:rPr kumimoji="1" lang="ja-JP" altLang="en-US" smtClean="0"/>
-              <a:t>2017/10/6</a:t>
+              <a:t>2017/10/9</a:t>
             </a:fld>
             <a:endParaRPr kumimoji="1" lang="ja-JP" altLang="en-US"/>
           </a:p>
@@ -5154,7 +5154,7 @@
           <a:p>
             <a:fld id="{CD18CB5A-6947-405F-A94A-52FF85729738}" type="datetimeFigureOut">
               <a:rPr kumimoji="1" lang="ja-JP" altLang="en-US" smtClean="0"/>
-              <a:t>2017/10/6</a:t>
+              <a:t>2017/10/9</a:t>
             </a:fld>
             <a:endParaRPr kumimoji="1" lang="ja-JP" altLang="en-US"/>
           </a:p>
@@ -5397,7 +5397,7 @@
           <a:p>
             <a:fld id="{CD18CB5A-6947-405F-A94A-52FF85729738}" type="datetimeFigureOut">
               <a:rPr kumimoji="1" lang="ja-JP" altLang="en-US" smtClean="0"/>
-              <a:t>2017/10/6</a:t>
+              <a:t>2017/10/9</a:t>
             </a:fld>
             <a:endParaRPr kumimoji="1" lang="ja-JP" altLang="en-US"/>
           </a:p>
@@ -7359,7 +7359,14 @@
                 <a:latin typeface="メイリオ" panose="020B0604030504040204" pitchFamily="50" charset="-128"/>
                 <a:ea typeface="メイリオ" panose="020B0604030504040204" pitchFamily="50" charset="-128"/>
               </a:rPr>
-              <a:t>文書校正にかかる労力を軽減</a:t>
+              <a:t>文書校正にかかる労力を</a:t>
+            </a:r>
+            <a:r>
+              <a:rPr lang="ja-JP" altLang="en-US" sz="4400">
+                <a:latin typeface="メイリオ" panose="020B0604030504040204" pitchFamily="50" charset="-128"/>
+                <a:ea typeface="メイリオ" panose="020B0604030504040204" pitchFamily="50" charset="-128"/>
+              </a:rPr>
+              <a:t>軽減する</a:t>
             </a:r>
             <a:endParaRPr lang="en-US" altLang="ja-JP" sz="4400" dirty="0">
               <a:latin typeface="メイリオ" panose="020B0604030504040204" pitchFamily="50" charset="-128"/>
